--- a/Proposal.pptx
+++ b/Proposal.pptx
@@ -10,9 +10,10 @@
     <p:sldId id="258" r:id="rId4"/>
     <p:sldId id="259" r:id="rId5"/>
     <p:sldId id="260" r:id="rId6"/>
-    <p:sldId id="262" r:id="rId7"/>
-    <p:sldId id="261" r:id="rId8"/>
-    <p:sldId id="263" r:id="rId9"/>
+    <p:sldId id="264" r:id="rId7"/>
+    <p:sldId id="262" r:id="rId8"/>
+    <p:sldId id="261" r:id="rId9"/>
+    <p:sldId id="263" r:id="rId10"/>
   </p:sldIdLst>
   <p:sldSz cx="12192000" cy="6858000"/>
   <p:notesSz cx="6858000" cy="9144000"/>
@@ -7834,7 +7835,7 @@
             </a:r>
             <a:r>
               <a:rPr lang="en-US" altLang="zh-CN" dirty="0"/>
-              <a:t> Wang</a:t>
+              <a:t> (Melo) Wang</a:t>
             </a:r>
           </a:p>
           <a:p>
@@ -8682,7 +8683,7 @@
           <p:cNvPr id="2" name="标题 1">
             <a:extLst>
               <a:ext uri="{FF2B5EF4-FFF2-40B4-BE49-F238E27FC236}">
-                <a16:creationId xmlns:a16="http://schemas.microsoft.com/office/drawing/2014/main" id="{E90255FA-C67D-418A-895E-3DB1D8DC4F80}"/>
+                <a16:creationId xmlns:a16="http://schemas.microsoft.com/office/drawing/2014/main" id="{2F9C0B57-2814-4FD6-B748-C8324D043D97}"/>
               </a:ext>
             </a:extLst>
           </p:cNvPr>
@@ -8700,7 +8701,7 @@
           <a:p>
             <a:r>
               <a:rPr lang="en-US" altLang="zh-CN" dirty="0"/>
-              <a:t>Questions</a:t>
+              <a:t>Dataset at Hand</a:t>
             </a:r>
             <a:endParaRPr lang="zh-CN" altLang="en-US" dirty="0"/>
           </a:p>
@@ -8711,7 +8712,7 @@
           <p:cNvPr id="3" name="内容占位符 2">
             <a:extLst>
               <a:ext uri="{FF2B5EF4-FFF2-40B4-BE49-F238E27FC236}">
-                <a16:creationId xmlns:a16="http://schemas.microsoft.com/office/drawing/2014/main" id="{EDC11A6A-79FF-4529-9F8D-D0F94F15C85F}"/>
+                <a16:creationId xmlns:a16="http://schemas.microsoft.com/office/drawing/2014/main" id="{D595FC5C-EAC1-4515-B6CD-62B45D30F195}"/>
               </a:ext>
             </a:extLst>
           </p:cNvPr>
@@ -8722,150 +8723,215 @@
             <p:ph idx="1"/>
           </p:nvPr>
         </p:nvSpPr>
-        <p:spPr/>
-        <p:txBody>
-          <a:bodyPr/>
+        <p:spPr>
+          <a:xfrm>
+            <a:off x="680321" y="2336873"/>
+            <a:ext cx="9613861" cy="1160471"/>
+          </a:xfrm>
+        </p:spPr>
+        <p:txBody>
+          <a:bodyPr>
+            <a:noAutofit/>
+          </a:bodyPr>
           <a:lstStyle/>
           <a:p>
             <a:r>
-              <a:rPr lang="en-US" altLang="zh-CN" dirty="0"/>
-              <a:t>Feature Selection and Data Preprocessing:</a:t>
+              <a:rPr lang="en-US" altLang="zh-CN" sz="3200" dirty="0">
+                <a:solidFill>
+                  <a:schemeClr val="bg1"/>
+                </a:solidFill>
+              </a:rPr>
+              <a:t>3. Student Performance in Exams</a:t>
             </a:r>
           </a:p>
           <a:p>
             <a:pPr lvl="1"/>
             <a:r>
-              <a:rPr lang="en-US" altLang="zh-CN" dirty="0"/>
-              <a:t>What are the contributing </a:t>
-            </a:r>
-            <a:r>
-              <a:rPr lang="en-US" altLang="zh-CN"/>
-              <a:t>factors to </a:t>
-            </a:r>
-            <a:r>
-              <a:rPr lang="en-US" altLang="zh-CN" dirty="0"/>
-              <a:t>student performance?</a:t>
-            </a:r>
-          </a:p>
-          <a:p>
-            <a:pPr lvl="1"/>
-            <a:r>
-              <a:rPr lang="en-US" altLang="zh-CN" dirty="0"/>
-              <a:t>Identity pairs or subsets of features that have a significant relationship.</a:t>
-            </a:r>
-          </a:p>
-          <a:p>
-            <a:pPr lvl="1"/>
-            <a:r>
-              <a:rPr lang="en-US" altLang="zh-CN" dirty="0"/>
-              <a:t>???</a:t>
-            </a:r>
-          </a:p>
-          <a:p>
-            <a:r>
-              <a:rPr lang="en-US" altLang="zh-CN" dirty="0"/>
-              <a:t>Model Fitting and Parameter Tuning:</a:t>
-            </a:r>
-          </a:p>
-          <a:p>
-            <a:pPr lvl="1"/>
-            <a:r>
-              <a:rPr lang="en-US" altLang="zh-CN" dirty="0"/>
-              <a:t>Which</a:t>
-            </a:r>
-            <a:r>
-              <a:rPr lang="zh-CN" altLang="en-US" dirty="0"/>
-              <a:t> </a:t>
-            </a:r>
-            <a:r>
-              <a:rPr lang="en-US" altLang="zh-CN" dirty="0"/>
-              <a:t>Model</a:t>
-            </a:r>
-            <a:r>
-              <a:rPr lang="zh-CN" altLang="en-US" dirty="0"/>
-              <a:t> </a:t>
-            </a:r>
-            <a:r>
-              <a:rPr lang="en-US" altLang="zh-CN" dirty="0"/>
-              <a:t>has</a:t>
-            </a:r>
-            <a:r>
-              <a:rPr lang="zh-CN" altLang="en-US" dirty="0"/>
-              <a:t> </a:t>
-            </a:r>
-            <a:r>
-              <a:rPr lang="en-US" altLang="zh-CN" dirty="0"/>
-              <a:t>the</a:t>
-            </a:r>
-            <a:r>
-              <a:rPr lang="zh-CN" altLang="en-US" dirty="0"/>
-              <a:t> </a:t>
-            </a:r>
-            <a:r>
-              <a:rPr lang="en-US" altLang="zh-CN" dirty="0"/>
-              <a:t>best</a:t>
-            </a:r>
-            <a:r>
-              <a:rPr lang="zh-CN" altLang="en-US" dirty="0"/>
-              <a:t> </a:t>
-            </a:r>
-            <a:r>
-              <a:rPr lang="en-US" altLang="zh-CN" dirty="0"/>
-              <a:t>precision?</a:t>
-            </a:r>
-          </a:p>
-          <a:p>
-            <a:pPr lvl="1"/>
-            <a:r>
-              <a:rPr lang="en-US" altLang="zh-CN" dirty="0"/>
-              <a:t>Which</a:t>
-            </a:r>
-            <a:r>
-              <a:rPr lang="zh-CN" altLang="en-US" dirty="0"/>
-              <a:t> </a:t>
-            </a:r>
-            <a:r>
-              <a:rPr lang="en-US" altLang="zh-CN" dirty="0"/>
-              <a:t>Model</a:t>
-            </a:r>
-            <a:r>
-              <a:rPr lang="zh-CN" altLang="en-US" dirty="0"/>
-              <a:t> </a:t>
-            </a:r>
-            <a:r>
-              <a:rPr lang="en-US" altLang="zh-CN" dirty="0"/>
-              <a:t>has</a:t>
-            </a:r>
-            <a:r>
-              <a:rPr lang="zh-CN" altLang="en-US" dirty="0"/>
-              <a:t> </a:t>
-            </a:r>
-            <a:r>
-              <a:rPr lang="en-US" altLang="zh-CN" dirty="0"/>
-              <a:t>the</a:t>
-            </a:r>
-            <a:r>
-              <a:rPr lang="zh-CN" altLang="en-US" dirty="0"/>
-              <a:t> </a:t>
-            </a:r>
-            <a:r>
-              <a:rPr lang="en-US" altLang="zh-CN" dirty="0"/>
-              <a:t>shortest training time?</a:t>
-            </a:r>
-          </a:p>
-          <a:p>
-            <a:pPr lvl="1"/>
-            <a:r>
-              <a:rPr lang="en-US" altLang="zh-CN" dirty="0"/>
-              <a:t>???</a:t>
-            </a:r>
+              <a:rPr lang="en-US" altLang="zh-CN" sz="3200" dirty="0">
+                <a:solidFill>
+                  <a:schemeClr val="bg1"/>
+                </a:solidFill>
+                <a:hlinkClick r:id="rId2">
+                  <a:extLst>
+                    <a:ext uri="{A12FA001-AC4F-418D-AE19-62706E023703}">
+                      <ahyp:hlinkClr xmlns:ahyp="http://schemas.microsoft.com/office/drawing/2018/hyperlinkcolor" val="tx"/>
+                    </a:ext>
+                  </a:extLst>
+                </a:hlinkClick>
+              </a:rPr>
+              <a:t>https://www.kaggle.com/spscientist/students-performance-in-exams</a:t>
+            </a:r>
+            <a:endParaRPr lang="en-US" altLang="zh-CN" sz="3200" dirty="0">
+              <a:solidFill>
+                <a:schemeClr val="bg1"/>
+              </a:solidFill>
+            </a:endParaRPr>
+          </a:p>
+          <a:p>
+            <a:pPr marL="457200" lvl="1" indent="0">
+              <a:buNone/>
+            </a:pPr>
+            <a:endParaRPr lang="zh-CN" altLang="en-US" sz="3200" dirty="0">
+              <a:solidFill>
+                <a:schemeClr val="bg1"/>
+              </a:solidFill>
+            </a:endParaRPr>
+          </a:p>
+        </p:txBody>
+      </p:sp>
+      <p:sp>
+        <p:nvSpPr>
+          <p:cNvPr id="4" name="文本框 3">
+            <a:extLst>
+              <a:ext uri="{FF2B5EF4-FFF2-40B4-BE49-F238E27FC236}">
+                <a16:creationId xmlns:a16="http://schemas.microsoft.com/office/drawing/2014/main" id="{CCB7E71B-B57B-4658-8955-1B22D575DA97}"/>
+              </a:ext>
+            </a:extLst>
+          </p:cNvPr>
+          <p:cNvSpPr txBox="1"/>
+          <p:nvPr/>
+        </p:nvSpPr>
+        <p:spPr>
+          <a:xfrm>
+            <a:off x="680321" y="4000051"/>
+            <a:ext cx="9547761" cy="2308324"/>
+          </a:xfrm>
+          <a:prstGeom prst="rect">
+            <a:avLst/>
+          </a:prstGeom>
+          <a:noFill/>
+        </p:spPr>
+        <p:txBody>
+          <a:bodyPr wrap="square" rtlCol="0">
+            <a:spAutoFit/>
+          </a:bodyPr>
+          <a:lstStyle/>
+          <a:p>
+            <a:pPr marL="285750" indent="-285750">
+              <a:buFont typeface="Arial" panose="020B0604020202020204" pitchFamily="34" charset="0"/>
+              <a:buChar char="•"/>
+            </a:pPr>
+            <a:r>
+              <a:rPr lang="en-US" altLang="zh-CN" sz="2400" dirty="0">
+                <a:solidFill>
+                  <a:schemeClr val="bg1"/>
+                </a:solidFill>
+                <a:latin typeface="+mj-lt"/>
+              </a:rPr>
+              <a:t>#Data Points:1000</a:t>
+            </a:r>
+          </a:p>
+          <a:p>
+            <a:pPr marL="285750" indent="-285750">
+              <a:buFont typeface="Arial" panose="020B0604020202020204" pitchFamily="34" charset="0"/>
+              <a:buChar char="•"/>
+            </a:pPr>
+            <a:r>
+              <a:rPr lang="en-US" altLang="zh-CN" sz="2400" dirty="0">
+                <a:solidFill>
+                  <a:schemeClr val="bg1"/>
+                </a:solidFill>
+                <a:latin typeface="+mj-lt"/>
+              </a:rPr>
+              <a:t>#Attributes: 8 </a:t>
+            </a:r>
+            <a:r>
+              <a:rPr lang="en-US" altLang="zh-CN" sz="2400" b="0" i="0" dirty="0">
+                <a:solidFill>
+                  <a:schemeClr val="bg1"/>
+                </a:solidFill>
+                <a:effectLst/>
+                <a:latin typeface="+mj-lt"/>
+              </a:rPr>
+              <a:t>Includes ethnicity, parental level of education</a:t>
+            </a:r>
+          </a:p>
+          <a:p>
+            <a:pPr marL="285750" indent="-285750">
+              <a:buFont typeface="Arial" panose="020B0604020202020204" pitchFamily="34" charset="0"/>
+              <a:buChar char="•"/>
+            </a:pPr>
+            <a:r>
+              <a:rPr lang="en-US" altLang="zh-CN" sz="2400" dirty="0">
+                <a:solidFill>
+                  <a:schemeClr val="bg1"/>
+                </a:solidFill>
+                <a:latin typeface="+mj-lt"/>
+              </a:rPr>
+              <a:t>Sample Attributes:</a:t>
+            </a:r>
+          </a:p>
+          <a:p>
+            <a:pPr marL="742950" lvl="1" indent="-285750">
+              <a:buFont typeface="Arial" panose="020B0604020202020204" pitchFamily="34" charset="0"/>
+              <a:buChar char="•"/>
+            </a:pPr>
+            <a:r>
+              <a:rPr lang="en-US" altLang="zh-CN" sz="2400" b="0" i="0" dirty="0">
+                <a:solidFill>
+                  <a:schemeClr val="bg1"/>
+                </a:solidFill>
+                <a:effectLst/>
+                <a:latin typeface="+mj-lt"/>
+              </a:rPr>
+              <a:t>ethnicity</a:t>
+            </a:r>
+            <a:endParaRPr lang="en-US" altLang="zh-CN" sz="2400" dirty="0">
+              <a:solidFill>
+                <a:schemeClr val="bg1"/>
+              </a:solidFill>
+              <a:latin typeface="+mj-lt"/>
+            </a:endParaRPr>
+          </a:p>
+          <a:p>
+            <a:pPr marL="742950" lvl="1" indent="-285750">
+              <a:buFont typeface="Arial" panose="020B0604020202020204" pitchFamily="34" charset="0"/>
+              <a:buChar char="•"/>
+            </a:pPr>
+            <a:r>
+              <a:rPr lang="en-US" altLang="zh-CN" sz="2400" b="0" i="0" dirty="0">
+                <a:solidFill>
+                  <a:schemeClr val="bg1"/>
+                </a:solidFill>
+                <a:effectLst/>
+                <a:latin typeface="+mj-lt"/>
+              </a:rPr>
+              <a:t>parental level of education</a:t>
+            </a:r>
+            <a:endParaRPr lang="en-US" altLang="zh-CN" sz="2400" dirty="0">
+              <a:solidFill>
+                <a:schemeClr val="bg1"/>
+              </a:solidFill>
+              <a:latin typeface="+mj-lt"/>
+            </a:endParaRPr>
+          </a:p>
+          <a:p>
+            <a:pPr marL="742950" lvl="1" indent="-285750">
+              <a:buFont typeface="Arial" panose="020B0604020202020204" pitchFamily="34" charset="0"/>
+              <a:buChar char="•"/>
+            </a:pPr>
+            <a:r>
+              <a:rPr lang="en-US" altLang="zh-CN" sz="2400" dirty="0">
+                <a:solidFill>
+                  <a:schemeClr val="bg1"/>
+                </a:solidFill>
+                <a:latin typeface="+mj-lt"/>
+              </a:rPr>
+              <a:t>lunch type</a:t>
+            </a:r>
+            <a:endParaRPr lang="zh-CN" altLang="en-US" sz="2400" dirty="0">
+              <a:solidFill>
+                <a:schemeClr val="bg1"/>
+              </a:solidFill>
+              <a:latin typeface="+mj-lt"/>
+            </a:endParaRPr>
           </a:p>
         </p:txBody>
       </p:sp>
     </p:spTree>
     <p:extLst>
       <p:ext uri="{BB962C8B-B14F-4D97-AF65-F5344CB8AC3E}">
-        <p14:creationId xmlns:p14="http://schemas.microsoft.com/office/powerpoint/2010/main" val="4267491723"/>
+        <p14:creationId xmlns:p14="http://schemas.microsoft.com/office/powerpoint/2010/main" val="686328729"/>
       </p:ext>
     </p:extLst>
   </p:cSld>
@@ -8897,6 +8963,213 @@
           <p:cNvPr id="2" name="标题 1">
             <a:extLst>
               <a:ext uri="{FF2B5EF4-FFF2-40B4-BE49-F238E27FC236}">
+                <a16:creationId xmlns:a16="http://schemas.microsoft.com/office/drawing/2014/main" id="{E90255FA-C67D-418A-895E-3DB1D8DC4F80}"/>
+              </a:ext>
+            </a:extLst>
+          </p:cNvPr>
+          <p:cNvSpPr>
+            <a:spLocks noGrp="1"/>
+          </p:cNvSpPr>
+          <p:nvPr>
+            <p:ph type="title"/>
+          </p:nvPr>
+        </p:nvSpPr>
+        <p:spPr/>
+        <p:txBody>
+          <a:bodyPr/>
+          <a:lstStyle/>
+          <a:p>
+            <a:r>
+              <a:rPr lang="en-US" altLang="zh-CN" dirty="0"/>
+              <a:t>Questions</a:t>
+            </a:r>
+            <a:endParaRPr lang="zh-CN" altLang="en-US" dirty="0"/>
+          </a:p>
+        </p:txBody>
+      </p:sp>
+      <p:sp>
+        <p:nvSpPr>
+          <p:cNvPr id="3" name="内容占位符 2">
+            <a:extLst>
+              <a:ext uri="{FF2B5EF4-FFF2-40B4-BE49-F238E27FC236}">
+                <a16:creationId xmlns:a16="http://schemas.microsoft.com/office/drawing/2014/main" id="{EDC11A6A-79FF-4529-9F8D-D0F94F15C85F}"/>
+              </a:ext>
+            </a:extLst>
+          </p:cNvPr>
+          <p:cNvSpPr>
+            <a:spLocks noGrp="1"/>
+          </p:cNvSpPr>
+          <p:nvPr>
+            <p:ph idx="1"/>
+          </p:nvPr>
+        </p:nvSpPr>
+        <p:spPr/>
+        <p:txBody>
+          <a:bodyPr/>
+          <a:lstStyle/>
+          <a:p>
+            <a:r>
+              <a:rPr lang="en-US" altLang="zh-CN" dirty="0"/>
+              <a:t>Feature Selection and Data Preprocessing:</a:t>
+            </a:r>
+          </a:p>
+          <a:p>
+            <a:pPr lvl="1"/>
+            <a:r>
+              <a:rPr lang="en-US" altLang="zh-CN" dirty="0"/>
+              <a:t>What are the contributing factors to student performance?</a:t>
+            </a:r>
+          </a:p>
+          <a:p>
+            <a:pPr lvl="1"/>
+            <a:r>
+              <a:rPr lang="en-US" altLang="zh-CN" dirty="0"/>
+              <a:t>Identity pairs or subsets of features that have a significant relationship.</a:t>
+            </a:r>
+          </a:p>
+          <a:p>
+            <a:pPr lvl="1"/>
+            <a:r>
+              <a:rPr lang="en-US" altLang="zh-CN" dirty="0"/>
+              <a:t>???</a:t>
+            </a:r>
+          </a:p>
+          <a:p>
+            <a:r>
+              <a:rPr lang="en-US" altLang="zh-CN" dirty="0"/>
+              <a:t>Model Fitting and Parameter Tuning:</a:t>
+            </a:r>
+          </a:p>
+          <a:p>
+            <a:pPr lvl="1"/>
+            <a:r>
+              <a:rPr lang="en-US" altLang="zh-CN" dirty="0"/>
+              <a:t>Which</a:t>
+            </a:r>
+            <a:r>
+              <a:rPr lang="zh-CN" altLang="en-US" dirty="0"/>
+              <a:t> </a:t>
+            </a:r>
+            <a:r>
+              <a:rPr lang="en-US" altLang="zh-CN" dirty="0"/>
+              <a:t>Model</a:t>
+            </a:r>
+            <a:r>
+              <a:rPr lang="zh-CN" altLang="en-US" dirty="0"/>
+              <a:t> </a:t>
+            </a:r>
+            <a:r>
+              <a:rPr lang="en-US" altLang="zh-CN" dirty="0"/>
+              <a:t>has</a:t>
+            </a:r>
+            <a:r>
+              <a:rPr lang="zh-CN" altLang="en-US" dirty="0"/>
+              <a:t> </a:t>
+            </a:r>
+            <a:r>
+              <a:rPr lang="en-US" altLang="zh-CN" dirty="0"/>
+              <a:t>the</a:t>
+            </a:r>
+            <a:r>
+              <a:rPr lang="zh-CN" altLang="en-US" dirty="0"/>
+              <a:t> </a:t>
+            </a:r>
+            <a:r>
+              <a:rPr lang="en-US" altLang="zh-CN" dirty="0"/>
+              <a:t>best</a:t>
+            </a:r>
+            <a:r>
+              <a:rPr lang="zh-CN" altLang="en-US" dirty="0"/>
+              <a:t> </a:t>
+            </a:r>
+            <a:r>
+              <a:rPr lang="en-US" altLang="zh-CN" dirty="0"/>
+              <a:t>precision?</a:t>
+            </a:r>
+          </a:p>
+          <a:p>
+            <a:pPr lvl="1"/>
+            <a:r>
+              <a:rPr lang="en-US" altLang="zh-CN" dirty="0"/>
+              <a:t>Which</a:t>
+            </a:r>
+            <a:r>
+              <a:rPr lang="zh-CN" altLang="en-US" dirty="0"/>
+              <a:t> </a:t>
+            </a:r>
+            <a:r>
+              <a:rPr lang="en-US" altLang="zh-CN" dirty="0"/>
+              <a:t>Model</a:t>
+            </a:r>
+            <a:r>
+              <a:rPr lang="zh-CN" altLang="en-US" dirty="0"/>
+              <a:t> </a:t>
+            </a:r>
+            <a:r>
+              <a:rPr lang="en-US" altLang="zh-CN" dirty="0"/>
+              <a:t>has</a:t>
+            </a:r>
+            <a:r>
+              <a:rPr lang="zh-CN" altLang="en-US" dirty="0"/>
+              <a:t> </a:t>
+            </a:r>
+            <a:r>
+              <a:rPr lang="en-US" altLang="zh-CN" dirty="0"/>
+              <a:t>the</a:t>
+            </a:r>
+            <a:r>
+              <a:rPr lang="zh-CN" altLang="en-US" dirty="0"/>
+              <a:t> </a:t>
+            </a:r>
+            <a:r>
+              <a:rPr lang="en-US" altLang="zh-CN" dirty="0"/>
+              <a:t>shortest training time?</a:t>
+            </a:r>
+          </a:p>
+          <a:p>
+            <a:pPr lvl="1"/>
+            <a:r>
+              <a:rPr lang="en-US" altLang="zh-CN" dirty="0"/>
+              <a:t>???</a:t>
+            </a:r>
+          </a:p>
+        </p:txBody>
+      </p:sp>
+    </p:spTree>
+    <p:extLst>
+      <p:ext uri="{BB962C8B-B14F-4D97-AF65-F5344CB8AC3E}">
+        <p14:creationId xmlns:p14="http://schemas.microsoft.com/office/powerpoint/2010/main" val="4267491723"/>
+      </p:ext>
+    </p:extLst>
+  </p:cSld>
+  <p:clrMapOvr>
+    <a:masterClrMapping/>
+  </p:clrMapOvr>
+</p:sld>
+</file>
+
+<file path=ppt/slides/slide8.xml><?xml version="1.0" encoding="utf-8"?>
+<p:sld xmlns:a="http://schemas.openxmlformats.org/drawingml/2006/main" xmlns:r="http://schemas.openxmlformats.org/officeDocument/2006/relationships" xmlns:p="http://schemas.openxmlformats.org/presentationml/2006/main">
+  <p:cSld>
+    <p:spTree>
+      <p:nvGrpSpPr>
+        <p:cNvPr id="1" name=""/>
+        <p:cNvGrpSpPr/>
+        <p:nvPr/>
+      </p:nvGrpSpPr>
+      <p:grpSpPr>
+        <a:xfrm>
+          <a:off x="0" y="0"/>
+          <a:ext cx="0" cy="0"/>
+          <a:chOff x="0" y="0"/>
+          <a:chExt cx="0" cy="0"/>
+        </a:xfrm>
+      </p:grpSpPr>
+      <p:sp>
+        <p:nvSpPr>
+          <p:cNvPr id="2" name="标题 1">
+            <a:extLst>
+              <a:ext uri="{FF2B5EF4-FFF2-40B4-BE49-F238E27FC236}">
                 <a16:creationId xmlns:a16="http://schemas.microsoft.com/office/drawing/2014/main" id="{C7431CB6-C56C-435E-8965-4E087381DE87}"/>
               </a:ext>
             </a:extLst>
@@ -8997,7 +9270,14 @@
               <a:rPr lang="en-US" altLang="zh-CN" dirty="0" err="1"/>
               <a:t>Sklearn</a:t>
             </a:r>
-            <a:endParaRPr lang="en-US" altLang="zh-CN" dirty="0"/>
+            <a:r>
+              <a:rPr lang="zh-CN" altLang="en-US" dirty="0"/>
+              <a:t>， </a:t>
+            </a:r>
+            <a:r>
+              <a:rPr lang="en-US" altLang="zh-CN" dirty="0"/>
+              <a:t>Self-developed algorithms</a:t>
+            </a:r>
           </a:p>
           <a:p>
             <a:r>
@@ -9034,7 +9314,7 @@
             <a:pPr lvl="1"/>
             <a:r>
               <a:rPr lang="en-US" altLang="zh-CN" dirty="0"/>
-              <a:t>???</a:t>
+              <a:t>Accuracy Rate; Mean Square Error</a:t>
             </a:r>
           </a:p>
           <a:p>
@@ -9056,7 +9336,7 @@
 </p:sld>
 </file>
 
-<file path=ppt/slides/slide8.xml><?xml version="1.0" encoding="utf-8"?>
+<file path=ppt/slides/slide9.xml><?xml version="1.0" encoding="utf-8"?>
 <p:sld xmlns:a="http://schemas.openxmlformats.org/drawingml/2006/main" xmlns:r="http://schemas.openxmlformats.org/officeDocument/2006/relationships" xmlns:p="http://schemas.openxmlformats.org/presentationml/2006/main">
   <p:cSld>
     <p:spTree>

--- a/Proposal.pptx
+++ b/Proposal.pptx
@@ -7932,10 +7932,15 @@
             <p:ph idx="1"/>
           </p:nvPr>
         </p:nvSpPr>
-        <p:spPr/>
+        <p:spPr>
+          <a:xfrm>
+            <a:off x="680321" y="2336873"/>
+            <a:ext cx="10697831" cy="2073001"/>
+          </a:xfrm>
+        </p:spPr>
         <p:txBody>
           <a:bodyPr>
-            <a:normAutofit/>
+            <a:normAutofit fontScale="92500" lnSpcReduction="20000"/>
           </a:bodyPr>
           <a:lstStyle/>
           <a:p>
@@ -7947,6 +7952,53 @@
           </a:p>
         </p:txBody>
       </p:sp>
+      <p:pic>
+        <p:nvPicPr>
+          <p:cNvPr id="1026" name="Picture 2" descr="SSD Presents Workshop Series on Improving Student Academic Performance |  Services for Students with Disabilities">
+            <a:extLst>
+              <a:ext uri="{FF2B5EF4-FFF2-40B4-BE49-F238E27FC236}">
+                <a16:creationId xmlns:a16="http://schemas.microsoft.com/office/drawing/2014/main" id="{D19FE4C6-C568-4069-9396-E54938AD1482}"/>
+              </a:ext>
+            </a:extLst>
+          </p:cNvPr>
+          <p:cNvPicPr>
+            <a:picLocks noChangeAspect="1" noChangeArrowheads="1"/>
+          </p:cNvPicPr>
+          <p:nvPr/>
+        </p:nvPicPr>
+        <p:blipFill>
+          <a:blip r:embed="rId2">
+            <a:extLst>
+              <a:ext uri="{28A0092B-C50C-407E-A947-70E740481C1C}">
+                <a14:useLocalDpi xmlns:a14="http://schemas.microsoft.com/office/drawing/2010/main" val="0"/>
+              </a:ext>
+            </a:extLst>
+          </a:blip>
+          <a:srcRect/>
+          <a:stretch>
+            <a:fillRect/>
+          </a:stretch>
+        </p:blipFill>
+        <p:spPr bwMode="auto">
+          <a:xfrm>
+            <a:off x="8305126" y="4409874"/>
+            <a:ext cx="3591613" cy="2396279"/>
+          </a:xfrm>
+          <a:prstGeom prst="rect">
+            <a:avLst/>
+          </a:prstGeom>
+          <a:noFill/>
+          <a:extLst>
+            <a:ext uri="{909E8E84-426E-40DD-AFC4-6F175D3DCCD1}">
+              <a14:hiddenFill xmlns:a14="http://schemas.microsoft.com/office/drawing/2010/main">
+                <a:solidFill>
+                  <a:srgbClr val="FFFFFF"/>
+                </a:solidFill>
+              </a14:hiddenFill>
+            </a:ext>
+          </a:extLst>
+        </p:spPr>
+      </p:pic>
     </p:spTree>
     <p:extLst>
       <p:ext uri="{BB962C8B-B14F-4D97-AF65-F5344CB8AC3E}">
@@ -8022,7 +8074,12 @@
             <p:ph idx="1"/>
           </p:nvPr>
         </p:nvSpPr>
-        <p:spPr/>
+        <p:spPr>
+          <a:xfrm>
+            <a:off x="680321" y="2336872"/>
+            <a:ext cx="9180116" cy="3686855"/>
+          </a:xfrm>
+        </p:spPr>
         <p:txBody>
           <a:bodyPr>
             <a:noAutofit/>
@@ -8049,6 +8106,53 @@
           </a:p>
         </p:txBody>
       </p:sp>
+      <p:pic>
+        <p:nvPicPr>
+          <p:cNvPr id="2050" name="Picture 2" descr="Student University Education School Tutor, PNG, 730x450px, Student,  Academic Achievement, College, Communication, Education Download Free">
+            <a:extLst>
+              <a:ext uri="{FF2B5EF4-FFF2-40B4-BE49-F238E27FC236}">
+                <a16:creationId xmlns:a16="http://schemas.microsoft.com/office/drawing/2014/main" id="{5880B9A8-0708-43C7-AE94-253382AFCF35}"/>
+              </a:ext>
+            </a:extLst>
+          </p:cNvPr>
+          <p:cNvPicPr>
+            <a:picLocks noChangeAspect="1" noChangeArrowheads="1"/>
+          </p:cNvPicPr>
+          <p:nvPr/>
+        </p:nvPicPr>
+        <p:blipFill>
+          <a:blip r:embed="rId2">
+            <a:extLst>
+              <a:ext uri="{28A0092B-C50C-407E-A947-70E740481C1C}">
+                <a14:useLocalDpi xmlns:a14="http://schemas.microsoft.com/office/drawing/2010/main" val="0"/>
+              </a:ext>
+            </a:extLst>
+          </a:blip>
+          <a:srcRect/>
+          <a:stretch>
+            <a:fillRect/>
+          </a:stretch>
+        </p:blipFill>
+        <p:spPr bwMode="auto">
+          <a:xfrm>
+            <a:off x="7812268" y="-66640"/>
+            <a:ext cx="4379732" cy="2403512"/>
+          </a:xfrm>
+          <a:prstGeom prst="rect">
+            <a:avLst/>
+          </a:prstGeom>
+          <a:noFill/>
+          <a:extLst>
+            <a:ext uri="{909E8E84-426E-40DD-AFC4-6F175D3DCCD1}">
+              <a14:hiddenFill xmlns:a14="http://schemas.microsoft.com/office/drawing/2010/main">
+                <a:solidFill>
+                  <a:srgbClr val="FFFFFF"/>
+                </a:solidFill>
+              </a14:hiddenFill>
+            </a:ext>
+          </a:extLst>
+        </p:spPr>
+      </p:pic>
     </p:spTree>
     <p:extLst>
       <p:ext uri="{BB962C8B-B14F-4D97-AF65-F5344CB8AC3E}">
@@ -8174,7 +8278,7 @@
         <p:spPr>
           <a:xfrm>
             <a:off x="680321" y="3687901"/>
-            <a:ext cx="7775522" cy="3170099"/>
+            <a:ext cx="7775522" cy="1323439"/>
           </a:xfrm>
           <a:prstGeom prst="rect">
             <a:avLst/>
@@ -8254,92 +8358,38 @@
               </a:solidFill>
             </a:endParaRPr>
           </a:p>
-          <a:p>
-            <a:pPr marL="285750" indent="-285750">
-              <a:buFont typeface="Arial" panose="020B0604020202020204" pitchFamily="34" charset="0"/>
-              <a:buChar char="•"/>
-            </a:pPr>
-            <a:r>
-              <a:rPr lang="en-US" altLang="zh-CN" sz="2000" dirty="0">
-                <a:solidFill>
-                  <a:schemeClr val="bg1"/>
-                </a:solidFill>
-              </a:rPr>
-              <a:t>Sample Attributes:</a:t>
-            </a:r>
-          </a:p>
-          <a:p>
-            <a:pPr marL="742950" lvl="1" indent="-285750">
-              <a:buFont typeface="Arial" panose="020B0604020202020204" pitchFamily="34" charset="0"/>
-              <a:buChar char="•"/>
-            </a:pPr>
-            <a:r>
-              <a:rPr lang="en-US" altLang="zh-CN" sz="2000" dirty="0">
-                <a:solidFill>
-                  <a:schemeClr val="bg1"/>
-                </a:solidFill>
-              </a:rPr>
-              <a:t>Sex</a:t>
-            </a:r>
-          </a:p>
-          <a:p>
-            <a:pPr marL="742950" lvl="1" indent="-285750">
-              <a:buFont typeface="Arial" panose="020B0604020202020204" pitchFamily="34" charset="0"/>
-              <a:buChar char="•"/>
-            </a:pPr>
-            <a:r>
-              <a:rPr lang="en-US" altLang="zh-CN" sz="2000" dirty="0">
-                <a:solidFill>
-                  <a:schemeClr val="bg1"/>
-                </a:solidFill>
-              </a:rPr>
-              <a:t>Age</a:t>
-            </a:r>
-          </a:p>
-          <a:p>
-            <a:pPr marL="742950" lvl="1" indent="-285750">
-              <a:buFont typeface="Arial" panose="020B0604020202020204" pitchFamily="34" charset="0"/>
-              <a:buChar char="•"/>
-            </a:pPr>
-            <a:r>
-              <a:rPr lang="en-US" altLang="zh-CN" sz="2000" dirty="0">
-                <a:solidFill>
-                  <a:schemeClr val="bg1"/>
-                </a:solidFill>
-              </a:rPr>
-              <a:t>Family Size</a:t>
-            </a:r>
-          </a:p>
-          <a:p>
-            <a:pPr marL="742950" lvl="1" indent="-285750">
-              <a:buFont typeface="Arial" panose="020B0604020202020204" pitchFamily="34" charset="0"/>
-              <a:buChar char="•"/>
-            </a:pPr>
-            <a:r>
-              <a:rPr lang="en-US" altLang="zh-CN" sz="2000" dirty="0">
-                <a:solidFill>
-                  <a:schemeClr val="bg1"/>
-                </a:solidFill>
-              </a:rPr>
-              <a:t>Activities</a:t>
-            </a:r>
-          </a:p>
-          <a:p>
-            <a:pPr marL="742950" lvl="1" indent="-285750">
-              <a:buFont typeface="Arial" panose="020B0604020202020204" pitchFamily="34" charset="0"/>
-              <a:buChar char="•"/>
-            </a:pPr>
-            <a:r>
-              <a:rPr lang="en-US" altLang="zh-CN" sz="2000" dirty="0">
-                <a:solidFill>
-                  <a:schemeClr val="bg1"/>
-                </a:solidFill>
-              </a:rPr>
-              <a:t>Free time after School</a:t>
-            </a:r>
-          </a:p>
-        </p:txBody>
-      </p:sp>
+        </p:txBody>
+      </p:sp>
+      <p:pic>
+        <p:nvPicPr>
+          <p:cNvPr id="5" name="图片 4">
+            <a:extLst>
+              <a:ext uri="{FF2B5EF4-FFF2-40B4-BE49-F238E27FC236}">
+                <a16:creationId xmlns:a16="http://schemas.microsoft.com/office/drawing/2014/main" id="{B0EB8110-2A2D-46F9-A532-E48ECEB1A8B0}"/>
+              </a:ext>
+            </a:extLst>
+          </p:cNvPr>
+          <p:cNvPicPr>
+            <a:picLocks noChangeAspect="1"/>
+          </p:cNvPicPr>
+          <p:nvPr/>
+        </p:nvPicPr>
+        <p:blipFill>
+          <a:blip r:embed="rId3"/>
+          <a:stretch>
+            <a:fillRect/>
+          </a:stretch>
+        </p:blipFill>
+        <p:spPr>
+          <a:xfrm>
+            <a:off x="797328" y="5011340"/>
+            <a:ext cx="10441555" cy="1786055"/>
+          </a:xfrm>
+          <a:prstGeom prst="rect">
+            <a:avLst/>
+          </a:prstGeom>
+        </p:spPr>
+      </p:pic>
     </p:spTree>
     <p:extLst>
       <p:ext uri="{BB962C8B-B14F-4D97-AF65-F5344CB8AC3E}">
@@ -8417,8 +8467,8 @@
         </p:nvSpPr>
         <p:spPr>
           <a:xfrm>
-            <a:off x="680321" y="2336873"/>
-            <a:ext cx="9613861" cy="1198179"/>
+            <a:off x="680322" y="2336873"/>
+            <a:ext cx="8105460" cy="1198179"/>
           </a:xfrm>
         </p:spPr>
         <p:txBody>
@@ -8505,7 +8555,7 @@
         <p:spPr>
           <a:xfrm>
             <a:off x="746421" y="4128940"/>
-            <a:ext cx="9547761" cy="2923877"/>
+            <a:ext cx="9547761" cy="1200329"/>
           </a:xfrm>
           <a:prstGeom prst="rect">
             <a:avLst/>
@@ -8554,81 +8604,6 @@
               </a:rPr>
               <a:t>Also Includes social, economic and academic features</a:t>
             </a:r>
-          </a:p>
-          <a:p>
-            <a:pPr marL="285750" indent="-285750">
-              <a:buFont typeface="Arial" panose="020B0604020202020204" pitchFamily="34" charset="0"/>
-              <a:buChar char="•"/>
-            </a:pPr>
-            <a:r>
-              <a:rPr lang="en-US" altLang="zh-CN" sz="2000" dirty="0">
-                <a:solidFill>
-                  <a:srgbClr val="123654"/>
-                </a:solidFill>
-                <a:latin typeface="Arial" panose="020B0604020202020204" pitchFamily="34" charset="0"/>
-              </a:rPr>
-              <a:t>Sample Attributes:</a:t>
-            </a:r>
-          </a:p>
-          <a:p>
-            <a:pPr marL="742950" lvl="1" indent="-285750">
-              <a:buFont typeface="Arial" panose="020B0604020202020204" pitchFamily="34" charset="0"/>
-              <a:buChar char="•"/>
-            </a:pPr>
-            <a:r>
-              <a:rPr lang="en-US" altLang="zh-CN" sz="2000" dirty="0">
-                <a:solidFill>
-                  <a:schemeClr val="bg1"/>
-                </a:solidFill>
-              </a:rPr>
-              <a:t>Marital Status</a:t>
-            </a:r>
-            <a:endParaRPr lang="en-US" altLang="zh-CN" sz="2000" dirty="0">
-              <a:solidFill>
-                <a:schemeClr val="bg1"/>
-              </a:solidFill>
-              <a:latin typeface="Arial" panose="020B0604020202020204" pitchFamily="34" charset="0"/>
-            </a:endParaRPr>
-          </a:p>
-          <a:p>
-            <a:pPr marL="742950" lvl="1" indent="-285750">
-              <a:buFont typeface="Arial" panose="020B0604020202020204" pitchFamily="34" charset="0"/>
-              <a:buChar char="•"/>
-            </a:pPr>
-            <a:r>
-              <a:rPr lang="en-US" altLang="zh-CN" sz="2000" dirty="0">
-                <a:solidFill>
-                  <a:schemeClr val="bg1"/>
-                </a:solidFill>
-              </a:rPr>
-              <a:t>Family Monthly Income</a:t>
-            </a:r>
-            <a:endParaRPr lang="en-US" altLang="zh-CN" sz="2000" dirty="0">
-              <a:solidFill>
-                <a:schemeClr val="bg1"/>
-              </a:solidFill>
-              <a:latin typeface="Arial" panose="020B0604020202020204" pitchFamily="34" charset="0"/>
-            </a:endParaRPr>
-          </a:p>
-          <a:p>
-            <a:pPr marL="742950" lvl="1" indent="-285750">
-              <a:buFont typeface="Arial" panose="020B0604020202020204" pitchFamily="34" charset="0"/>
-              <a:buChar char="•"/>
-            </a:pPr>
-            <a:r>
-              <a:rPr lang="en-US" altLang="zh-CN" sz="2000" dirty="0">
-                <a:solidFill>
-                  <a:schemeClr val="bg1"/>
-                </a:solidFill>
-              </a:rPr>
-              <a:t>Lived in Town or Village</a:t>
-            </a:r>
-          </a:p>
-          <a:p>
-            <a:pPr marL="285750" indent="-285750">
-              <a:buFont typeface="Arial" panose="020B0604020202020204" pitchFamily="34" charset="0"/>
-              <a:buChar char="•"/>
-            </a:pPr>
             <a:endParaRPr lang="en-US" altLang="zh-CN" sz="3200" dirty="0">
               <a:solidFill>
                 <a:schemeClr val="bg1"/>
@@ -8648,6 +8623,66 @@
           </a:p>
         </p:txBody>
       </p:sp>
+      <p:pic>
+        <p:nvPicPr>
+          <p:cNvPr id="5" name="图片 4">
+            <a:extLst>
+              <a:ext uri="{FF2B5EF4-FFF2-40B4-BE49-F238E27FC236}">
+                <a16:creationId xmlns:a16="http://schemas.microsoft.com/office/drawing/2014/main" id="{2EB0169E-392B-4D88-96C2-4638D7699361}"/>
+              </a:ext>
+            </a:extLst>
+          </p:cNvPr>
+          <p:cNvPicPr>
+            <a:picLocks noChangeAspect="1"/>
+          </p:cNvPicPr>
+          <p:nvPr/>
+        </p:nvPicPr>
+        <p:blipFill>
+          <a:blip r:embed="rId3"/>
+          <a:stretch>
+            <a:fillRect/>
+          </a:stretch>
+        </p:blipFill>
+        <p:spPr>
+          <a:xfrm>
+            <a:off x="680321" y="5070769"/>
+            <a:ext cx="7300593" cy="1524132"/>
+          </a:xfrm>
+          <a:prstGeom prst="rect">
+            <a:avLst/>
+          </a:prstGeom>
+        </p:spPr>
+      </p:pic>
+      <p:pic>
+        <p:nvPicPr>
+          <p:cNvPr id="7" name="图片 6">
+            <a:extLst>
+              <a:ext uri="{FF2B5EF4-FFF2-40B4-BE49-F238E27FC236}">
+                <a16:creationId xmlns:a16="http://schemas.microsoft.com/office/drawing/2014/main" id="{A5FE8E4A-4F1F-4BC8-8288-90C3060AB709}"/>
+              </a:ext>
+            </a:extLst>
+          </p:cNvPr>
+          <p:cNvPicPr>
+            <a:picLocks noChangeAspect="1"/>
+          </p:cNvPicPr>
+          <p:nvPr/>
+        </p:nvPicPr>
+        <p:blipFill>
+          <a:blip r:embed="rId4"/>
+          <a:stretch>
+            <a:fillRect/>
+          </a:stretch>
+        </p:blipFill>
+        <p:spPr>
+          <a:xfrm>
+            <a:off x="9036231" y="2134550"/>
+            <a:ext cx="3155769" cy="4582900"/>
+          </a:xfrm>
+          <a:prstGeom prst="rect">
+            <a:avLst/>
+          </a:prstGeom>
+        </p:spPr>
+      </p:pic>
     </p:spTree>
     <p:extLst>
       <p:ext uri="{BB962C8B-B14F-4D97-AF65-F5344CB8AC3E}">
@@ -8794,7 +8829,7 @@
         <p:spPr>
           <a:xfrm>
             <a:off x="680321" y="4000051"/>
-            <a:ext cx="9547761" cy="2308324"/>
+            <a:ext cx="9547761" cy="830997"/>
           </a:xfrm>
           <a:prstGeom prst="rect">
             <a:avLst/>
@@ -8846,88 +8881,38 @@
               <a:t>Includes ethnicity, parental level of education</a:t>
             </a:r>
           </a:p>
-          <a:p>
-            <a:pPr marL="285750" indent="-285750">
-              <a:buFont typeface="Arial" panose="020B0604020202020204" pitchFamily="34" charset="0"/>
-              <a:buChar char="•"/>
-            </a:pPr>
-            <a:r>
-              <a:rPr lang="en-US" altLang="zh-CN" sz="2400" dirty="0">
-                <a:solidFill>
-                  <a:schemeClr val="bg1"/>
-                </a:solidFill>
-                <a:latin typeface="+mj-lt"/>
-              </a:rPr>
-              <a:t>Sample Attributes:</a:t>
-            </a:r>
-          </a:p>
-          <a:p>
-            <a:pPr marL="742950" lvl="1" indent="-285750">
-              <a:buFont typeface="Arial" panose="020B0604020202020204" pitchFamily="34" charset="0"/>
-              <a:buChar char="•"/>
-            </a:pPr>
-            <a:r>
-              <a:rPr lang="en-US" altLang="zh-CN" sz="2400" b="0" i="0" dirty="0">
-                <a:solidFill>
-                  <a:schemeClr val="bg1"/>
-                </a:solidFill>
-                <a:effectLst/>
-                <a:latin typeface="+mj-lt"/>
-              </a:rPr>
-              <a:t>ethnicity</a:t>
-            </a:r>
-            <a:endParaRPr lang="en-US" altLang="zh-CN" sz="2400" dirty="0">
-              <a:solidFill>
-                <a:schemeClr val="bg1"/>
-              </a:solidFill>
-              <a:latin typeface="+mj-lt"/>
-            </a:endParaRPr>
-          </a:p>
-          <a:p>
-            <a:pPr marL="742950" lvl="1" indent="-285750">
-              <a:buFont typeface="Arial" panose="020B0604020202020204" pitchFamily="34" charset="0"/>
-              <a:buChar char="•"/>
-            </a:pPr>
-            <a:r>
-              <a:rPr lang="en-US" altLang="zh-CN" sz="2400" b="0" i="0" dirty="0">
-                <a:solidFill>
-                  <a:schemeClr val="bg1"/>
-                </a:solidFill>
-                <a:effectLst/>
-                <a:latin typeface="+mj-lt"/>
-              </a:rPr>
-              <a:t>parental level of education</a:t>
-            </a:r>
-            <a:endParaRPr lang="en-US" altLang="zh-CN" sz="2400" dirty="0">
-              <a:solidFill>
-                <a:schemeClr val="bg1"/>
-              </a:solidFill>
-              <a:latin typeface="+mj-lt"/>
-            </a:endParaRPr>
-          </a:p>
-          <a:p>
-            <a:pPr marL="742950" lvl="1" indent="-285750">
-              <a:buFont typeface="Arial" panose="020B0604020202020204" pitchFamily="34" charset="0"/>
-              <a:buChar char="•"/>
-            </a:pPr>
-            <a:r>
-              <a:rPr lang="en-US" altLang="zh-CN" sz="2400" dirty="0">
-                <a:solidFill>
-                  <a:schemeClr val="bg1"/>
-                </a:solidFill>
-                <a:latin typeface="+mj-lt"/>
-              </a:rPr>
-              <a:t>lunch type</a:t>
-            </a:r>
-            <a:endParaRPr lang="zh-CN" altLang="en-US" sz="2400" dirty="0">
-              <a:solidFill>
-                <a:schemeClr val="bg1"/>
-              </a:solidFill>
-              <a:latin typeface="+mj-lt"/>
-            </a:endParaRPr>
-          </a:p>
-        </p:txBody>
-      </p:sp>
+        </p:txBody>
+      </p:sp>
+      <p:pic>
+        <p:nvPicPr>
+          <p:cNvPr id="5" name="图片 4">
+            <a:extLst>
+              <a:ext uri="{FF2B5EF4-FFF2-40B4-BE49-F238E27FC236}">
+                <a16:creationId xmlns:a16="http://schemas.microsoft.com/office/drawing/2014/main" id="{3405CA35-3296-4941-8B59-6B7DACB31ECF}"/>
+              </a:ext>
+            </a:extLst>
+          </p:cNvPr>
+          <p:cNvPicPr>
+            <a:picLocks noChangeAspect="1"/>
+          </p:cNvPicPr>
+          <p:nvPr/>
+        </p:nvPicPr>
+        <p:blipFill>
+          <a:blip r:embed="rId3"/>
+          <a:stretch>
+            <a:fillRect/>
+          </a:stretch>
+        </p:blipFill>
+        <p:spPr>
+          <a:xfrm>
+            <a:off x="754123" y="4929565"/>
+            <a:ext cx="9473959" cy="1818329"/>
+          </a:xfrm>
+          <a:prstGeom prst="rect">
+            <a:avLst/>
+          </a:prstGeom>
+        </p:spPr>
+      </p:pic>
     </p:spTree>
     <p:extLst>
       <p:ext uri="{BB962C8B-B14F-4D97-AF65-F5344CB8AC3E}">
@@ -9005,132 +8990,115 @@
         </p:nvSpPr>
         <p:spPr/>
         <p:txBody>
-          <a:bodyPr/>
+          <a:bodyPr>
+            <a:normAutofit/>
+          </a:bodyPr>
           <a:lstStyle/>
           <a:p>
-            <a:r>
-              <a:rPr lang="en-US" altLang="zh-CN" dirty="0"/>
-              <a:t>Feature Selection and Data Preprocessing:</a:t>
-            </a:r>
-          </a:p>
-          <a:p>
             <a:pPr lvl="1"/>
             <a:r>
-              <a:rPr lang="en-US" altLang="zh-CN" dirty="0"/>
+              <a:rPr lang="en-US" altLang="zh-CN" sz="2400" dirty="0"/>
               <a:t>What are the contributing factors to student performance?</a:t>
             </a:r>
           </a:p>
           <a:p>
             <a:pPr lvl="1"/>
             <a:r>
-              <a:rPr lang="en-US" altLang="zh-CN" dirty="0"/>
-              <a:t>Identity pairs or subsets of features that have a significant relationship.</a:t>
+              <a:rPr lang="en-US" altLang="zh-CN" sz="2400" dirty="0"/>
+              <a:t>Identity pairs or subsets of features that have a significant correlation.</a:t>
             </a:r>
           </a:p>
           <a:p>
             <a:pPr lvl="1"/>
             <a:r>
-              <a:rPr lang="en-US" altLang="zh-CN" dirty="0"/>
-              <a:t>???</a:t>
-            </a:r>
-          </a:p>
-          <a:p>
-            <a:r>
-              <a:rPr lang="en-US" altLang="zh-CN" dirty="0"/>
-              <a:t>Model Fitting and Parameter Tuning:</a:t>
+              <a:rPr lang="en-US" altLang="zh-CN" sz="2400" dirty="0"/>
+              <a:t>Which</a:t>
+            </a:r>
+            <a:r>
+              <a:rPr lang="zh-CN" altLang="en-US" sz="2400" dirty="0"/>
+              <a:t> </a:t>
+            </a:r>
+            <a:r>
+              <a:rPr lang="en-US" altLang="zh-CN" sz="2400" dirty="0"/>
+              <a:t>Model</a:t>
+            </a:r>
+            <a:r>
+              <a:rPr lang="zh-CN" altLang="en-US" sz="2400" dirty="0"/>
+              <a:t> </a:t>
+            </a:r>
+            <a:r>
+              <a:rPr lang="en-US" altLang="zh-CN" sz="2400" dirty="0"/>
+              <a:t>has</a:t>
+            </a:r>
+            <a:r>
+              <a:rPr lang="zh-CN" altLang="en-US" sz="2400" dirty="0"/>
+              <a:t> </a:t>
+            </a:r>
+            <a:r>
+              <a:rPr lang="en-US" altLang="zh-CN" sz="2400" dirty="0"/>
+              <a:t>the</a:t>
+            </a:r>
+            <a:r>
+              <a:rPr lang="zh-CN" altLang="en-US" sz="2400" dirty="0"/>
+              <a:t> </a:t>
+            </a:r>
+            <a:r>
+              <a:rPr lang="en-US" altLang="zh-CN" sz="2400" dirty="0"/>
+              <a:t>best</a:t>
+            </a:r>
+            <a:r>
+              <a:rPr lang="zh-CN" altLang="en-US" sz="2400" dirty="0"/>
+              <a:t> </a:t>
+            </a:r>
+            <a:r>
+              <a:rPr lang="en-US" altLang="zh-CN" sz="2400" dirty="0"/>
+              <a:t>precision?</a:t>
             </a:r>
           </a:p>
           <a:p>
             <a:pPr lvl="1"/>
             <a:r>
-              <a:rPr lang="en-US" altLang="zh-CN" dirty="0"/>
+              <a:rPr lang="en-US" altLang="zh-CN" sz="2400" dirty="0"/>
               <a:t>Which</a:t>
             </a:r>
             <a:r>
-              <a:rPr lang="zh-CN" altLang="en-US" dirty="0"/>
+              <a:rPr lang="zh-CN" altLang="en-US" sz="2400" dirty="0"/>
               <a:t> </a:t>
             </a:r>
             <a:r>
-              <a:rPr lang="en-US" altLang="zh-CN" dirty="0"/>
+              <a:rPr lang="en-US" altLang="zh-CN" sz="2400" dirty="0"/>
               <a:t>Model</a:t>
             </a:r>
             <a:r>
-              <a:rPr lang="zh-CN" altLang="en-US" dirty="0"/>
+              <a:rPr lang="zh-CN" altLang="en-US" sz="2400" dirty="0"/>
               <a:t> </a:t>
             </a:r>
             <a:r>
-              <a:rPr lang="en-US" altLang="zh-CN" dirty="0"/>
+              <a:rPr lang="en-US" altLang="zh-CN" sz="2400" dirty="0"/>
               <a:t>has</a:t>
             </a:r>
             <a:r>
-              <a:rPr lang="zh-CN" altLang="en-US" dirty="0"/>
+              <a:rPr lang="zh-CN" altLang="en-US" sz="2400" dirty="0"/>
               <a:t> </a:t>
             </a:r>
             <a:r>
-              <a:rPr lang="en-US" altLang="zh-CN" dirty="0"/>
+              <a:rPr lang="en-US" altLang="zh-CN" sz="2400" dirty="0"/>
               <a:t>the</a:t>
             </a:r>
             <a:r>
-              <a:rPr lang="zh-CN" altLang="en-US" dirty="0"/>
+              <a:rPr lang="zh-CN" altLang="en-US" sz="2400" dirty="0"/>
               <a:t> </a:t>
             </a:r>
             <a:r>
-              <a:rPr lang="en-US" altLang="zh-CN" dirty="0"/>
-              <a:t>best</a:t>
-            </a:r>
-            <a:r>
-              <a:rPr lang="zh-CN" altLang="en-US" dirty="0"/>
-              <a:t> </a:t>
-            </a:r>
-            <a:r>
-              <a:rPr lang="en-US" altLang="zh-CN" dirty="0"/>
-              <a:t>precision?</a:t>
+              <a:rPr lang="en-US" altLang="zh-CN" sz="2400" dirty="0"/>
+              <a:t>shortest training time?</a:t>
             </a:r>
           </a:p>
           <a:p>
             <a:pPr lvl="1"/>
             <a:r>
-              <a:rPr lang="en-US" altLang="zh-CN" dirty="0"/>
-              <a:t>Which</a:t>
-            </a:r>
-            <a:r>
-              <a:rPr lang="zh-CN" altLang="en-US" dirty="0"/>
-              <a:t> </a:t>
-            </a:r>
-            <a:r>
-              <a:rPr lang="en-US" altLang="zh-CN" dirty="0"/>
-              <a:t>Model</a:t>
-            </a:r>
-            <a:r>
-              <a:rPr lang="zh-CN" altLang="en-US" dirty="0"/>
-              <a:t> </a:t>
-            </a:r>
-            <a:r>
-              <a:rPr lang="en-US" altLang="zh-CN" dirty="0"/>
-              <a:t>has</a:t>
-            </a:r>
-            <a:r>
-              <a:rPr lang="zh-CN" altLang="en-US" dirty="0"/>
-              <a:t> </a:t>
-            </a:r>
-            <a:r>
-              <a:rPr lang="en-US" altLang="zh-CN" dirty="0"/>
-              <a:t>the</a:t>
-            </a:r>
-            <a:r>
-              <a:rPr lang="zh-CN" altLang="en-US" dirty="0"/>
-              <a:t> </a:t>
-            </a:r>
-            <a:r>
-              <a:rPr lang="en-US" altLang="zh-CN" dirty="0"/>
-              <a:t>shortest training time?</a:t>
-            </a:r>
-          </a:p>
-          <a:p>
-            <a:pPr lvl="1"/>
-            <a:r>
-              <a:rPr lang="en-US" altLang="zh-CN" dirty="0"/>
-              <a:t>???</a:t>
+              <a:rPr lang="en-US" altLang="zh-CN" sz="2400" dirty="0"/>
+              <a:t>What is the best method to split a leaf in a Decision Tree?</a:t>
             </a:r>
           </a:p>
         </p:txBody>
